--- a/Labs/Lab1/lab2.pptx
+++ b/Labs/Lab1/lab2.pptx
@@ -6,6 +6,8 @@
   </p:sldMasterIdLst>
   <p:sldIdLst>
     <p:sldId id="256" r:id="rId2"/>
+    <p:sldId id="257" r:id="rId3"/>
+    <p:sldId id="258" r:id="rId4"/>
   </p:sldIdLst>
   <p:sldSz cx="12192000" cy="6858000"/>
   <p:notesSz cx="6858000" cy="9144000"/>
@@ -3628,6 +3630,622 @@
 </p:sld>
 </file>
 
+<file path=ppt/slides/slide2.xml><?xml version="1.0" encoding="utf-8"?>
+<p:sld xmlns:a="http://schemas.openxmlformats.org/drawingml/2006/main" xmlns:r="http://schemas.openxmlformats.org/officeDocument/2006/relationships" xmlns:p="http://schemas.openxmlformats.org/presentationml/2006/main">
+  <p:cSld>
+    <p:spTree>
+      <p:nvGrpSpPr>
+        <p:cNvPr id="1" name=""/>
+        <p:cNvGrpSpPr/>
+        <p:nvPr/>
+      </p:nvGrpSpPr>
+      <p:grpSpPr>
+        <a:xfrm>
+          <a:off x="0" y="0"/>
+          <a:ext cx="0" cy="0"/>
+          <a:chOff x="0" y="0"/>
+          <a:chExt cx="0" cy="0"/>
+        </a:xfrm>
+      </p:grpSpPr>
+      <p:pic>
+        <p:nvPicPr>
+          <p:cNvPr id="3" name="Picture 2">
+            <a:extLst>
+              <a:ext uri="{FF2B5EF4-FFF2-40B4-BE49-F238E27FC236}">
+                <a16:creationId xmlns:a16="http://schemas.microsoft.com/office/drawing/2014/main" id="{73426484-D5DF-44D5-CFDB-A757C1981199}"/>
+              </a:ext>
+            </a:extLst>
+          </p:cNvPr>
+          <p:cNvPicPr>
+            <a:picLocks noChangeAspect="1"/>
+          </p:cNvPicPr>
+          <p:nvPr/>
+        </p:nvPicPr>
+        <p:blipFill>
+          <a:blip r:embed="rId2">
+            <a:extLst>
+              <a:ext uri="{28A0092B-C50C-407E-A947-70E740481C1C}">
+                <a14:useLocalDpi xmlns:a14="http://schemas.microsoft.com/office/drawing/2010/main" val="0"/>
+              </a:ext>
+            </a:extLst>
+          </a:blip>
+          <a:stretch>
+            <a:fillRect/>
+          </a:stretch>
+        </p:blipFill>
+        <p:spPr>
+          <a:xfrm>
+            <a:off x="1689871" y="737469"/>
+            <a:ext cx="8960929" cy="5383062"/>
+          </a:xfrm>
+          <a:prstGeom prst="rect">
+            <a:avLst/>
+          </a:prstGeom>
+        </p:spPr>
+      </p:pic>
+      <p:sp>
+        <p:nvSpPr>
+          <p:cNvPr id="4" name="TextBox 3">
+            <a:extLst>
+              <a:ext uri="{FF2B5EF4-FFF2-40B4-BE49-F238E27FC236}">
+                <a16:creationId xmlns:a16="http://schemas.microsoft.com/office/drawing/2014/main" id="{186642DC-EC4E-AC49-8780-289C1B44F3A9}"/>
+              </a:ext>
+            </a:extLst>
+          </p:cNvPr>
+          <p:cNvSpPr txBox="1"/>
+          <p:nvPr/>
+        </p:nvSpPr>
+        <p:spPr>
+          <a:xfrm>
+            <a:off x="3412684" y="910709"/>
+            <a:ext cx="1971675" cy="369332"/>
+          </a:xfrm>
+          <a:prstGeom prst="rect">
+            <a:avLst/>
+          </a:prstGeom>
+          <a:noFill/>
+        </p:spPr>
+        <p:txBody>
+          <a:bodyPr wrap="square" rtlCol="0">
+            <a:spAutoFit/>
+          </a:bodyPr>
+          <a:lstStyle/>
+          <a:p>
+            <a:r>
+              <a:rPr lang="en-US" dirty="0" err="1"/>
+              <a:t>ocean.cont</a:t>
+            </a:r>
+            <a:endParaRPr lang="en-US" dirty="0"/>
+          </a:p>
+        </p:txBody>
+      </p:sp>
+      <p:sp>
+        <p:nvSpPr>
+          <p:cNvPr id="5" name="TextBox 4">
+            <a:extLst>
+              <a:ext uri="{FF2B5EF4-FFF2-40B4-BE49-F238E27FC236}">
+                <a16:creationId xmlns:a16="http://schemas.microsoft.com/office/drawing/2014/main" id="{682B0312-6097-7643-EEB2-1A35D61247B6}"/>
+              </a:ext>
+            </a:extLst>
+          </p:cNvPr>
+          <p:cNvSpPr txBox="1"/>
+          <p:nvPr/>
+        </p:nvSpPr>
+        <p:spPr>
+          <a:xfrm>
+            <a:off x="5787452" y="3664351"/>
+            <a:ext cx="1971675" cy="369332"/>
+          </a:xfrm>
+          <a:prstGeom prst="rect">
+            <a:avLst/>
+          </a:prstGeom>
+          <a:noFill/>
+        </p:spPr>
+        <p:txBody>
+          <a:bodyPr wrap="square" rtlCol="0">
+            <a:spAutoFit/>
+          </a:bodyPr>
+          <a:lstStyle/>
+          <a:p>
+            <a:r>
+              <a:rPr lang="en-US" dirty="0"/>
+              <a:t>radix</a:t>
+            </a:r>
+          </a:p>
+        </p:txBody>
+      </p:sp>
+      <p:sp>
+        <p:nvSpPr>
+          <p:cNvPr id="6" name="TextBox 5">
+            <a:extLst>
+              <a:ext uri="{FF2B5EF4-FFF2-40B4-BE49-F238E27FC236}">
+                <a16:creationId xmlns:a16="http://schemas.microsoft.com/office/drawing/2014/main" id="{53D2D05D-5FF3-781C-0F11-5E77CC8F3214}"/>
+              </a:ext>
+            </a:extLst>
+          </p:cNvPr>
+          <p:cNvSpPr txBox="1"/>
+          <p:nvPr/>
+        </p:nvSpPr>
+        <p:spPr>
+          <a:xfrm>
+            <a:off x="7966599" y="1990736"/>
+            <a:ext cx="1971675" cy="369332"/>
+          </a:xfrm>
+          <a:prstGeom prst="rect">
+            <a:avLst/>
+          </a:prstGeom>
+          <a:noFill/>
+        </p:spPr>
+        <p:txBody>
+          <a:bodyPr wrap="square" rtlCol="0">
+            <a:spAutoFit/>
+          </a:bodyPr>
+          <a:lstStyle/>
+          <a:p>
+            <a:r>
+              <a:rPr lang="en-US" dirty="0" err="1"/>
+              <a:t>npb</a:t>
+            </a:r>
+            <a:r>
+              <a:rPr lang="en-US" dirty="0"/>
+              <a:t>-is</a:t>
+            </a:r>
+          </a:p>
+        </p:txBody>
+      </p:sp>
+      <p:sp>
+        <p:nvSpPr>
+          <p:cNvPr id="7" name="Right Brace 6">
+            <a:extLst>
+              <a:ext uri="{FF2B5EF4-FFF2-40B4-BE49-F238E27FC236}">
+                <a16:creationId xmlns:a16="http://schemas.microsoft.com/office/drawing/2014/main" id="{A269E831-79A1-F4D4-3165-8744D5B67C96}"/>
+              </a:ext>
+            </a:extLst>
+          </p:cNvPr>
+          <p:cNvSpPr/>
+          <p:nvPr/>
+        </p:nvSpPr>
+        <p:spPr>
+          <a:xfrm rot="16200000">
+            <a:off x="3870165" y="745628"/>
+            <a:ext cx="285750" cy="1354578"/>
+          </a:xfrm>
+          <a:prstGeom prst="rightBrace">
+            <a:avLst/>
+          </a:prstGeom>
+        </p:spPr>
+        <p:style>
+          <a:lnRef idx="1">
+            <a:schemeClr val="dk1"/>
+          </a:lnRef>
+          <a:fillRef idx="0">
+            <a:schemeClr val="dk1"/>
+          </a:fillRef>
+          <a:effectRef idx="0">
+            <a:schemeClr val="dk1"/>
+          </a:effectRef>
+          <a:fontRef idx="minor">
+            <a:schemeClr val="tx1"/>
+          </a:fontRef>
+        </p:style>
+        <p:txBody>
+          <a:bodyPr rtlCol="0" anchor="ctr"/>
+          <a:lstStyle/>
+          <a:p>
+            <a:pPr algn="ctr"/>
+            <a:endParaRPr lang="en-US"/>
+          </a:p>
+        </p:txBody>
+      </p:sp>
+      <p:sp>
+        <p:nvSpPr>
+          <p:cNvPr id="8" name="Right Brace 7">
+            <a:extLst>
+              <a:ext uri="{FF2B5EF4-FFF2-40B4-BE49-F238E27FC236}">
+                <a16:creationId xmlns:a16="http://schemas.microsoft.com/office/drawing/2014/main" id="{77529ADE-6B99-16A2-73B0-4D10C03FAB22}"/>
+              </a:ext>
+            </a:extLst>
+          </p:cNvPr>
+          <p:cNvSpPr/>
+          <p:nvPr/>
+        </p:nvSpPr>
+        <p:spPr>
+          <a:xfrm rot="16200000">
+            <a:off x="5953125" y="3499269"/>
+            <a:ext cx="285750" cy="1354578"/>
+          </a:xfrm>
+          <a:prstGeom prst="rightBrace">
+            <a:avLst/>
+          </a:prstGeom>
+        </p:spPr>
+        <p:style>
+          <a:lnRef idx="1">
+            <a:schemeClr val="dk1"/>
+          </a:lnRef>
+          <a:fillRef idx="0">
+            <a:schemeClr val="dk1"/>
+          </a:fillRef>
+          <a:effectRef idx="0">
+            <a:schemeClr val="dk1"/>
+          </a:effectRef>
+          <a:fontRef idx="minor">
+            <a:schemeClr val="tx1"/>
+          </a:fontRef>
+        </p:style>
+        <p:txBody>
+          <a:bodyPr rtlCol="0" anchor="ctr"/>
+          <a:lstStyle/>
+          <a:p>
+            <a:pPr algn="ctr"/>
+            <a:endParaRPr lang="en-US"/>
+          </a:p>
+        </p:txBody>
+      </p:sp>
+      <p:sp>
+        <p:nvSpPr>
+          <p:cNvPr id="9" name="Right Brace 8">
+            <a:extLst>
+              <a:ext uri="{FF2B5EF4-FFF2-40B4-BE49-F238E27FC236}">
+                <a16:creationId xmlns:a16="http://schemas.microsoft.com/office/drawing/2014/main" id="{3F49C312-4690-47DF-B936-FF035946145F}"/>
+              </a:ext>
+            </a:extLst>
+          </p:cNvPr>
+          <p:cNvSpPr/>
+          <p:nvPr/>
+        </p:nvSpPr>
+        <p:spPr>
+          <a:xfrm rot="16200000">
+            <a:off x="8132272" y="1821590"/>
+            <a:ext cx="285750" cy="1354578"/>
+          </a:xfrm>
+          <a:prstGeom prst="rightBrace">
+            <a:avLst/>
+          </a:prstGeom>
+        </p:spPr>
+        <p:style>
+          <a:lnRef idx="1">
+            <a:schemeClr val="dk1"/>
+          </a:lnRef>
+          <a:fillRef idx="0">
+            <a:schemeClr val="dk1"/>
+          </a:fillRef>
+          <a:effectRef idx="0">
+            <a:schemeClr val="dk1"/>
+          </a:effectRef>
+          <a:fontRef idx="minor">
+            <a:schemeClr val="tx1"/>
+          </a:fontRef>
+        </p:style>
+        <p:txBody>
+          <a:bodyPr rtlCol="0" anchor="ctr"/>
+          <a:lstStyle/>
+          <a:p>
+            <a:pPr algn="ctr"/>
+            <a:endParaRPr lang="en-US"/>
+          </a:p>
+        </p:txBody>
+      </p:sp>
+    </p:spTree>
+    <p:extLst>
+      <p:ext uri="{BB962C8B-B14F-4D97-AF65-F5344CB8AC3E}">
+        <p14:creationId xmlns:p14="http://schemas.microsoft.com/office/powerpoint/2010/main" val="881791011"/>
+      </p:ext>
+    </p:extLst>
+  </p:cSld>
+  <p:clrMapOvr>
+    <a:masterClrMapping/>
+  </p:clrMapOvr>
+</p:sld>
+</file>
+
+<file path=ppt/slides/slide3.xml><?xml version="1.0" encoding="utf-8"?>
+<p:sld xmlns:a="http://schemas.openxmlformats.org/drawingml/2006/main" xmlns:r="http://schemas.openxmlformats.org/officeDocument/2006/relationships" xmlns:p="http://schemas.openxmlformats.org/presentationml/2006/main">
+  <p:cSld>
+    <p:spTree>
+      <p:nvGrpSpPr>
+        <p:cNvPr id="1" name=""/>
+        <p:cNvGrpSpPr/>
+        <p:nvPr/>
+      </p:nvGrpSpPr>
+      <p:grpSpPr>
+        <a:xfrm>
+          <a:off x="0" y="0"/>
+          <a:ext cx="0" cy="0"/>
+          <a:chOff x="0" y="0"/>
+          <a:chExt cx="0" cy="0"/>
+        </a:xfrm>
+      </p:grpSpPr>
+      <p:pic>
+        <p:nvPicPr>
+          <p:cNvPr id="3" name="Picture 2">
+            <a:extLst>
+              <a:ext uri="{FF2B5EF4-FFF2-40B4-BE49-F238E27FC236}">
+                <a16:creationId xmlns:a16="http://schemas.microsoft.com/office/drawing/2014/main" id="{DEA0DF93-83E9-1AC7-5556-A4379F619D5C}"/>
+              </a:ext>
+            </a:extLst>
+          </p:cNvPr>
+          <p:cNvPicPr>
+            <a:picLocks noChangeAspect="1"/>
+          </p:cNvPicPr>
+          <p:nvPr/>
+        </p:nvPicPr>
+        <p:blipFill>
+          <a:blip r:embed="rId2">
+            <a:extLst>
+              <a:ext uri="{28A0092B-C50C-407E-A947-70E740481C1C}">
+                <a14:useLocalDpi xmlns:a14="http://schemas.microsoft.com/office/drawing/2010/main" val="0"/>
+              </a:ext>
+            </a:extLst>
+          </a:blip>
+          <a:stretch>
+            <a:fillRect/>
+          </a:stretch>
+        </p:blipFill>
+        <p:spPr>
+          <a:xfrm>
+            <a:off x="1781744" y="835746"/>
+            <a:ext cx="8628511" cy="5186508"/>
+          </a:xfrm>
+          <a:prstGeom prst="rect">
+            <a:avLst/>
+          </a:prstGeom>
+        </p:spPr>
+      </p:pic>
+      <p:sp>
+        <p:nvSpPr>
+          <p:cNvPr id="4" name="TextBox 3">
+            <a:extLst>
+              <a:ext uri="{FF2B5EF4-FFF2-40B4-BE49-F238E27FC236}">
+                <a16:creationId xmlns:a16="http://schemas.microsoft.com/office/drawing/2014/main" id="{853BA129-31E8-C975-6CC3-6BCFC6E3519D}"/>
+              </a:ext>
+            </a:extLst>
+          </p:cNvPr>
+          <p:cNvSpPr txBox="1"/>
+          <p:nvPr/>
+        </p:nvSpPr>
+        <p:spPr>
+          <a:xfrm>
+            <a:off x="3338744" y="1482209"/>
+            <a:ext cx="1971675" cy="369332"/>
+          </a:xfrm>
+          <a:prstGeom prst="rect">
+            <a:avLst/>
+          </a:prstGeom>
+          <a:noFill/>
+        </p:spPr>
+        <p:txBody>
+          <a:bodyPr wrap="square" rtlCol="0">
+            <a:spAutoFit/>
+          </a:bodyPr>
+          <a:lstStyle/>
+          <a:p>
+            <a:r>
+              <a:rPr lang="en-US" dirty="0" err="1"/>
+              <a:t>ocean.cont</a:t>
+            </a:r>
+            <a:endParaRPr lang="en-US" dirty="0"/>
+          </a:p>
+        </p:txBody>
+      </p:sp>
+      <p:sp>
+        <p:nvSpPr>
+          <p:cNvPr id="5" name="TextBox 4">
+            <a:extLst>
+              <a:ext uri="{FF2B5EF4-FFF2-40B4-BE49-F238E27FC236}">
+                <a16:creationId xmlns:a16="http://schemas.microsoft.com/office/drawing/2014/main" id="{F3807E35-CDA7-18B2-2A89-98D5CC2FCD0A}"/>
+              </a:ext>
+            </a:extLst>
+          </p:cNvPr>
+          <p:cNvSpPr txBox="1"/>
+          <p:nvPr/>
+        </p:nvSpPr>
+        <p:spPr>
+          <a:xfrm>
+            <a:off x="5679160" y="1271422"/>
+            <a:ext cx="1971675" cy="369332"/>
+          </a:xfrm>
+          <a:prstGeom prst="rect">
+            <a:avLst/>
+          </a:prstGeom>
+          <a:noFill/>
+        </p:spPr>
+        <p:txBody>
+          <a:bodyPr wrap="square" rtlCol="0">
+            <a:spAutoFit/>
+          </a:bodyPr>
+          <a:lstStyle/>
+          <a:p>
+            <a:r>
+              <a:rPr lang="en-US" dirty="0"/>
+              <a:t>radix</a:t>
+            </a:r>
+          </a:p>
+        </p:txBody>
+      </p:sp>
+      <p:sp>
+        <p:nvSpPr>
+          <p:cNvPr id="6" name="TextBox 5">
+            <a:extLst>
+              <a:ext uri="{FF2B5EF4-FFF2-40B4-BE49-F238E27FC236}">
+                <a16:creationId xmlns:a16="http://schemas.microsoft.com/office/drawing/2014/main" id="{71322C02-5984-99D0-838C-3E950F3F601D}"/>
+              </a:ext>
+            </a:extLst>
+          </p:cNvPr>
+          <p:cNvSpPr txBox="1"/>
+          <p:nvPr/>
+        </p:nvSpPr>
+        <p:spPr>
+          <a:xfrm>
+            <a:off x="7711028" y="949977"/>
+            <a:ext cx="1971675" cy="369332"/>
+          </a:xfrm>
+          <a:prstGeom prst="rect">
+            <a:avLst/>
+          </a:prstGeom>
+          <a:noFill/>
+        </p:spPr>
+        <p:txBody>
+          <a:bodyPr wrap="square" rtlCol="0">
+            <a:spAutoFit/>
+          </a:bodyPr>
+          <a:lstStyle/>
+          <a:p>
+            <a:r>
+              <a:rPr lang="en-US" dirty="0" err="1"/>
+              <a:t>npb</a:t>
+            </a:r>
+            <a:r>
+              <a:rPr lang="en-US" dirty="0"/>
+              <a:t>-is</a:t>
+            </a:r>
+          </a:p>
+        </p:txBody>
+      </p:sp>
+      <p:sp>
+        <p:nvSpPr>
+          <p:cNvPr id="7" name="Right Brace 6">
+            <a:extLst>
+              <a:ext uri="{FF2B5EF4-FFF2-40B4-BE49-F238E27FC236}">
+                <a16:creationId xmlns:a16="http://schemas.microsoft.com/office/drawing/2014/main" id="{7728165F-12AA-1033-EF1D-5E0CC3D047EA}"/>
+              </a:ext>
+            </a:extLst>
+          </p:cNvPr>
+          <p:cNvSpPr/>
+          <p:nvPr/>
+        </p:nvSpPr>
+        <p:spPr>
+          <a:xfrm rot="16200000">
+            <a:off x="3796225" y="1317128"/>
+            <a:ext cx="285750" cy="1354578"/>
+          </a:xfrm>
+          <a:prstGeom prst="rightBrace">
+            <a:avLst/>
+          </a:prstGeom>
+        </p:spPr>
+        <p:style>
+          <a:lnRef idx="1">
+            <a:schemeClr val="dk1"/>
+          </a:lnRef>
+          <a:fillRef idx="0">
+            <a:schemeClr val="dk1"/>
+          </a:fillRef>
+          <a:effectRef idx="0">
+            <a:schemeClr val="dk1"/>
+          </a:effectRef>
+          <a:fontRef idx="minor">
+            <a:schemeClr val="tx1"/>
+          </a:fontRef>
+        </p:style>
+        <p:txBody>
+          <a:bodyPr rtlCol="0" anchor="ctr"/>
+          <a:lstStyle/>
+          <a:p>
+            <a:pPr algn="ctr"/>
+            <a:endParaRPr lang="en-US"/>
+          </a:p>
+        </p:txBody>
+      </p:sp>
+      <p:sp>
+        <p:nvSpPr>
+          <p:cNvPr id="8" name="Right Brace 7">
+            <a:extLst>
+              <a:ext uri="{FF2B5EF4-FFF2-40B4-BE49-F238E27FC236}">
+                <a16:creationId xmlns:a16="http://schemas.microsoft.com/office/drawing/2014/main" id="{DFE746D0-5374-E8AC-F53B-4C45AF30F564}"/>
+              </a:ext>
+            </a:extLst>
+          </p:cNvPr>
+          <p:cNvSpPr/>
+          <p:nvPr/>
+        </p:nvSpPr>
+        <p:spPr>
+          <a:xfrm rot="16200000">
+            <a:off x="5844833" y="1106340"/>
+            <a:ext cx="285750" cy="1354578"/>
+          </a:xfrm>
+          <a:prstGeom prst="rightBrace">
+            <a:avLst/>
+          </a:prstGeom>
+        </p:spPr>
+        <p:style>
+          <a:lnRef idx="1">
+            <a:schemeClr val="dk1"/>
+          </a:lnRef>
+          <a:fillRef idx="0">
+            <a:schemeClr val="dk1"/>
+          </a:fillRef>
+          <a:effectRef idx="0">
+            <a:schemeClr val="dk1"/>
+          </a:effectRef>
+          <a:fontRef idx="minor">
+            <a:schemeClr val="tx1"/>
+          </a:fontRef>
+        </p:style>
+        <p:txBody>
+          <a:bodyPr rtlCol="0" anchor="ctr"/>
+          <a:lstStyle/>
+          <a:p>
+            <a:pPr algn="ctr"/>
+            <a:endParaRPr lang="en-US"/>
+          </a:p>
+        </p:txBody>
+      </p:sp>
+      <p:sp>
+        <p:nvSpPr>
+          <p:cNvPr id="9" name="Right Brace 8">
+            <a:extLst>
+              <a:ext uri="{FF2B5EF4-FFF2-40B4-BE49-F238E27FC236}">
+                <a16:creationId xmlns:a16="http://schemas.microsoft.com/office/drawing/2014/main" id="{05DB533B-0594-A2D1-B338-C844F8FA9C37}"/>
+              </a:ext>
+            </a:extLst>
+          </p:cNvPr>
+          <p:cNvSpPr/>
+          <p:nvPr/>
+        </p:nvSpPr>
+        <p:spPr>
+          <a:xfrm rot="16200000">
+            <a:off x="7876701" y="780831"/>
+            <a:ext cx="285750" cy="1354578"/>
+          </a:xfrm>
+          <a:prstGeom prst="rightBrace">
+            <a:avLst/>
+          </a:prstGeom>
+        </p:spPr>
+        <p:style>
+          <a:lnRef idx="1">
+            <a:schemeClr val="dk1"/>
+          </a:lnRef>
+          <a:fillRef idx="0">
+            <a:schemeClr val="dk1"/>
+          </a:fillRef>
+          <a:effectRef idx="0">
+            <a:schemeClr val="dk1"/>
+          </a:effectRef>
+          <a:fontRef idx="minor">
+            <a:schemeClr val="tx1"/>
+          </a:fontRef>
+        </p:style>
+        <p:txBody>
+          <a:bodyPr rtlCol="0" anchor="ctr"/>
+          <a:lstStyle/>
+          <a:p>
+            <a:pPr algn="ctr"/>
+            <a:endParaRPr lang="en-US"/>
+          </a:p>
+        </p:txBody>
+      </p:sp>
+    </p:spTree>
+    <p:extLst>
+      <p:ext uri="{BB962C8B-B14F-4D97-AF65-F5344CB8AC3E}">
+        <p14:creationId xmlns:p14="http://schemas.microsoft.com/office/powerpoint/2010/main" val="3501071801"/>
+      </p:ext>
+    </p:extLst>
+  </p:cSld>
+  <p:clrMapOvr>
+    <a:masterClrMapping/>
+  </p:clrMapOvr>
+</p:sld>
+</file>
+
 <file path=ppt/theme/theme1.xml><?xml version="1.0" encoding="utf-8"?>
 <a:theme xmlns:a="http://schemas.openxmlformats.org/drawingml/2006/main" name="Office Theme">
   <a:themeElements>

--- a/Labs/Lab1/lab2.pptx
+++ b/Labs/Lab1/lab2.pptx
@@ -8,6 +8,7 @@
     <p:sldId id="256" r:id="rId2"/>
     <p:sldId id="257" r:id="rId3"/>
     <p:sldId id="258" r:id="rId4"/>
+    <p:sldId id="259" r:id="rId5"/>
   </p:sldIdLst>
   <p:sldSz cx="12192000" cy="6858000"/>
   <p:notesSz cx="6858000" cy="9144000"/>
@@ -4246,6 +4247,314 @@
 </p:sld>
 </file>
 
+<file path=ppt/slides/slide4.xml><?xml version="1.0" encoding="utf-8"?>
+<p:sld xmlns:a="http://schemas.openxmlformats.org/drawingml/2006/main" xmlns:r="http://schemas.openxmlformats.org/officeDocument/2006/relationships" xmlns:p="http://schemas.openxmlformats.org/presentationml/2006/main">
+  <p:cSld>
+    <p:spTree>
+      <p:nvGrpSpPr>
+        <p:cNvPr id="1" name=""/>
+        <p:cNvGrpSpPr/>
+        <p:nvPr/>
+      </p:nvGrpSpPr>
+      <p:grpSpPr>
+        <a:xfrm>
+          <a:off x="0" y="0"/>
+          <a:ext cx="0" cy="0"/>
+          <a:chOff x="0" y="0"/>
+          <a:chExt cx="0" cy="0"/>
+        </a:xfrm>
+      </p:grpSpPr>
+      <p:pic>
+        <p:nvPicPr>
+          <p:cNvPr id="3" name="Picture 2" descr="Chart, bar chart&#10;&#10;Description automatically generated">
+            <a:extLst>
+              <a:ext uri="{FF2B5EF4-FFF2-40B4-BE49-F238E27FC236}">
+                <a16:creationId xmlns:a16="http://schemas.microsoft.com/office/drawing/2014/main" id="{8BFFBDF6-A2C3-4E5D-41BE-BE25063355B8}"/>
+              </a:ext>
+            </a:extLst>
+          </p:cNvPr>
+          <p:cNvPicPr>
+            <a:picLocks noChangeAspect="1"/>
+          </p:cNvPicPr>
+          <p:nvPr/>
+        </p:nvPicPr>
+        <p:blipFill>
+          <a:blip r:embed="rId2">
+            <a:extLst>
+              <a:ext uri="{28A0092B-C50C-407E-A947-70E740481C1C}">
+                <a14:useLocalDpi xmlns:a14="http://schemas.microsoft.com/office/drawing/2010/main" val="0"/>
+              </a:ext>
+            </a:extLst>
+          </a:blip>
+          <a:stretch>
+            <a:fillRect/>
+          </a:stretch>
+        </p:blipFill>
+        <p:spPr>
+          <a:xfrm>
+            <a:off x="1840427" y="857120"/>
+            <a:ext cx="8511145" cy="5143760"/>
+          </a:xfrm>
+          <a:prstGeom prst="rect">
+            <a:avLst/>
+          </a:prstGeom>
+        </p:spPr>
+      </p:pic>
+      <p:sp>
+        <p:nvSpPr>
+          <p:cNvPr id="4" name="TextBox 3">
+            <a:extLst>
+              <a:ext uri="{FF2B5EF4-FFF2-40B4-BE49-F238E27FC236}">
+                <a16:creationId xmlns:a16="http://schemas.microsoft.com/office/drawing/2014/main" id="{8E04570A-3B2E-0153-7C83-C084DC8A7724}"/>
+              </a:ext>
+            </a:extLst>
+          </p:cNvPr>
+          <p:cNvSpPr txBox="1"/>
+          <p:nvPr/>
+        </p:nvSpPr>
+        <p:spPr>
+          <a:xfrm>
+            <a:off x="3658340" y="2325588"/>
+            <a:ext cx="1971675" cy="369332"/>
+          </a:xfrm>
+          <a:prstGeom prst="rect">
+            <a:avLst/>
+          </a:prstGeom>
+          <a:noFill/>
+        </p:spPr>
+        <p:txBody>
+          <a:bodyPr wrap="square" rtlCol="0">
+            <a:spAutoFit/>
+          </a:bodyPr>
+          <a:lstStyle/>
+          <a:p>
+            <a:r>
+              <a:rPr lang="en-US" dirty="0" err="1"/>
+              <a:t>ocean.cont</a:t>
+            </a:r>
+            <a:endParaRPr lang="en-US" dirty="0"/>
+          </a:p>
+        </p:txBody>
+      </p:sp>
+      <p:sp>
+        <p:nvSpPr>
+          <p:cNvPr id="5" name="TextBox 4">
+            <a:extLst>
+              <a:ext uri="{FF2B5EF4-FFF2-40B4-BE49-F238E27FC236}">
+                <a16:creationId xmlns:a16="http://schemas.microsoft.com/office/drawing/2014/main" id="{AD014328-18C7-44AB-76FB-A7117528359B}"/>
+              </a:ext>
+            </a:extLst>
+          </p:cNvPr>
+          <p:cNvSpPr txBox="1"/>
+          <p:nvPr/>
+        </p:nvSpPr>
+        <p:spPr>
+          <a:xfrm>
+            <a:off x="5918857" y="2371329"/>
+            <a:ext cx="1971675" cy="369332"/>
+          </a:xfrm>
+          <a:prstGeom prst="rect">
+            <a:avLst/>
+          </a:prstGeom>
+          <a:noFill/>
+        </p:spPr>
+        <p:txBody>
+          <a:bodyPr wrap="square" rtlCol="0">
+            <a:spAutoFit/>
+          </a:bodyPr>
+          <a:lstStyle/>
+          <a:p>
+            <a:r>
+              <a:rPr lang="en-US" dirty="0"/>
+              <a:t>radix</a:t>
+            </a:r>
+          </a:p>
+        </p:txBody>
+      </p:sp>
+      <p:sp>
+        <p:nvSpPr>
+          <p:cNvPr id="6" name="TextBox 5">
+            <a:extLst>
+              <a:ext uri="{FF2B5EF4-FFF2-40B4-BE49-F238E27FC236}">
+                <a16:creationId xmlns:a16="http://schemas.microsoft.com/office/drawing/2014/main" id="{0299BC6B-0C74-1023-3255-925C4B33FC22}"/>
+              </a:ext>
+            </a:extLst>
+          </p:cNvPr>
+          <p:cNvSpPr txBox="1"/>
+          <p:nvPr/>
+        </p:nvSpPr>
+        <p:spPr>
+          <a:xfrm>
+            <a:off x="7773172" y="857120"/>
+            <a:ext cx="1971675" cy="369332"/>
+          </a:xfrm>
+          <a:prstGeom prst="rect">
+            <a:avLst/>
+          </a:prstGeom>
+          <a:noFill/>
+        </p:spPr>
+        <p:txBody>
+          <a:bodyPr wrap="square" rtlCol="0">
+            <a:spAutoFit/>
+          </a:bodyPr>
+          <a:lstStyle/>
+          <a:p>
+            <a:r>
+              <a:rPr lang="en-US" dirty="0" err="1"/>
+              <a:t>npb</a:t>
+            </a:r>
+            <a:r>
+              <a:rPr lang="en-US" dirty="0"/>
+              <a:t>-is</a:t>
+            </a:r>
+          </a:p>
+        </p:txBody>
+      </p:sp>
+      <p:sp>
+        <p:nvSpPr>
+          <p:cNvPr id="7" name="Right Brace 6">
+            <a:extLst>
+              <a:ext uri="{FF2B5EF4-FFF2-40B4-BE49-F238E27FC236}">
+                <a16:creationId xmlns:a16="http://schemas.microsoft.com/office/drawing/2014/main" id="{EBE5575D-3C30-29B7-FF88-B24CE18C5E1C}"/>
+              </a:ext>
+            </a:extLst>
+          </p:cNvPr>
+          <p:cNvSpPr/>
+          <p:nvPr/>
+        </p:nvSpPr>
+        <p:spPr>
+          <a:xfrm rot="16200000">
+            <a:off x="4115821" y="2160507"/>
+            <a:ext cx="285750" cy="1354578"/>
+          </a:xfrm>
+          <a:prstGeom prst="rightBrace">
+            <a:avLst/>
+          </a:prstGeom>
+        </p:spPr>
+        <p:style>
+          <a:lnRef idx="1">
+            <a:schemeClr val="dk1"/>
+          </a:lnRef>
+          <a:fillRef idx="0">
+            <a:schemeClr val="dk1"/>
+          </a:fillRef>
+          <a:effectRef idx="0">
+            <a:schemeClr val="dk1"/>
+          </a:effectRef>
+          <a:fontRef idx="minor">
+            <a:schemeClr val="tx1"/>
+          </a:fontRef>
+        </p:style>
+        <p:txBody>
+          <a:bodyPr rtlCol="0" anchor="ctr"/>
+          <a:lstStyle/>
+          <a:p>
+            <a:pPr algn="ctr"/>
+            <a:endParaRPr lang="en-US"/>
+          </a:p>
+        </p:txBody>
+      </p:sp>
+      <p:sp>
+        <p:nvSpPr>
+          <p:cNvPr id="8" name="Right Brace 7">
+            <a:extLst>
+              <a:ext uri="{FF2B5EF4-FFF2-40B4-BE49-F238E27FC236}">
+                <a16:creationId xmlns:a16="http://schemas.microsoft.com/office/drawing/2014/main" id="{F9FD8620-D1E9-A3C5-E666-F042AE6BB8F3}"/>
+              </a:ext>
+            </a:extLst>
+          </p:cNvPr>
+          <p:cNvSpPr/>
+          <p:nvPr/>
+        </p:nvSpPr>
+        <p:spPr>
+          <a:xfrm rot="16200000">
+            <a:off x="6084530" y="2206247"/>
+            <a:ext cx="285750" cy="1354578"/>
+          </a:xfrm>
+          <a:prstGeom prst="rightBrace">
+            <a:avLst/>
+          </a:prstGeom>
+        </p:spPr>
+        <p:style>
+          <a:lnRef idx="1">
+            <a:schemeClr val="dk1"/>
+          </a:lnRef>
+          <a:fillRef idx="0">
+            <a:schemeClr val="dk1"/>
+          </a:fillRef>
+          <a:effectRef idx="0">
+            <a:schemeClr val="dk1"/>
+          </a:effectRef>
+          <a:fontRef idx="minor">
+            <a:schemeClr val="tx1"/>
+          </a:fontRef>
+        </p:style>
+        <p:txBody>
+          <a:bodyPr rtlCol="0" anchor="ctr"/>
+          <a:lstStyle/>
+          <a:p>
+            <a:pPr algn="ctr"/>
+            <a:endParaRPr lang="en-US"/>
+          </a:p>
+        </p:txBody>
+      </p:sp>
+      <p:sp>
+        <p:nvSpPr>
+          <p:cNvPr id="9" name="Right Brace 8">
+            <a:extLst>
+              <a:ext uri="{FF2B5EF4-FFF2-40B4-BE49-F238E27FC236}">
+                <a16:creationId xmlns:a16="http://schemas.microsoft.com/office/drawing/2014/main" id="{848D5B4B-45FB-DB5B-AEDF-6167A3D921B2}"/>
+              </a:ext>
+            </a:extLst>
+          </p:cNvPr>
+          <p:cNvSpPr/>
+          <p:nvPr/>
+        </p:nvSpPr>
+        <p:spPr>
+          <a:xfrm rot="16200000">
+            <a:off x="7938845" y="687974"/>
+            <a:ext cx="285750" cy="1354578"/>
+          </a:xfrm>
+          <a:prstGeom prst="rightBrace">
+            <a:avLst/>
+          </a:prstGeom>
+        </p:spPr>
+        <p:style>
+          <a:lnRef idx="1">
+            <a:schemeClr val="dk1"/>
+          </a:lnRef>
+          <a:fillRef idx="0">
+            <a:schemeClr val="dk1"/>
+          </a:fillRef>
+          <a:effectRef idx="0">
+            <a:schemeClr val="dk1"/>
+          </a:effectRef>
+          <a:fontRef idx="minor">
+            <a:schemeClr val="tx1"/>
+          </a:fontRef>
+        </p:style>
+        <p:txBody>
+          <a:bodyPr rtlCol="0" anchor="ctr"/>
+          <a:lstStyle/>
+          <a:p>
+            <a:pPr algn="ctr"/>
+            <a:endParaRPr lang="en-US"/>
+          </a:p>
+        </p:txBody>
+      </p:sp>
+    </p:spTree>
+    <p:extLst>
+      <p:ext uri="{BB962C8B-B14F-4D97-AF65-F5344CB8AC3E}">
+        <p14:creationId xmlns:p14="http://schemas.microsoft.com/office/powerpoint/2010/main" val="3380357774"/>
+      </p:ext>
+    </p:extLst>
+  </p:cSld>
+  <p:clrMapOvr>
+    <a:masterClrMapping/>
+  </p:clrMapOvr>
+</p:sld>
+</file>
+
 <file path=ppt/theme/theme1.xml><?xml version="1.0" encoding="utf-8"?>
 <a:theme xmlns:a="http://schemas.openxmlformats.org/drawingml/2006/main" name="Office Theme">
   <a:themeElements>
